--- a/Lisa.pptx
+++ b/Lisa.pptx
@@ -10,7 +10,8 @@
     <p:sldId id="260" r:id="rId4"/>
     <p:sldId id="259" r:id="rId5"/>
     <p:sldId id="258" r:id="rId6"/>
-    <p:sldId id="261" r:id="rId7"/>
+    <p:sldId id="262" r:id="rId7"/>
+    <p:sldId id="261" r:id="rId8"/>
   </p:sldIdLst>
   <p:sldSz cx="12192000" cy="6858000"/>
   <p:notesSz cx="6858000" cy="9144000"/>
@@ -248,7 +249,7 @@
           <a:p>
             <a:fld id="{CFFABAFF-F572-4F53-AA31-722C97A08DC0}" type="datetimeFigureOut">
               <a:rPr lang="ru-RU" smtClean="0"/>
-              <a:t>26.01.2023</a:t>
+              <a:t>27.01.2023</a:t>
             </a:fld>
             <a:endParaRPr lang="ru-RU"/>
           </a:p>
@@ -418,7 +419,7 @@
           <a:p>
             <a:fld id="{CFFABAFF-F572-4F53-AA31-722C97A08DC0}" type="datetimeFigureOut">
               <a:rPr lang="ru-RU" smtClean="0"/>
-              <a:t>26.01.2023</a:t>
+              <a:t>27.01.2023</a:t>
             </a:fld>
             <a:endParaRPr lang="ru-RU"/>
           </a:p>
@@ -598,7 +599,7 @@
           <a:p>
             <a:fld id="{CFFABAFF-F572-4F53-AA31-722C97A08DC0}" type="datetimeFigureOut">
               <a:rPr lang="ru-RU" smtClean="0"/>
-              <a:t>26.01.2023</a:t>
+              <a:t>27.01.2023</a:t>
             </a:fld>
             <a:endParaRPr lang="ru-RU"/>
           </a:p>
@@ -768,7 +769,7 @@
           <a:p>
             <a:fld id="{CFFABAFF-F572-4F53-AA31-722C97A08DC0}" type="datetimeFigureOut">
               <a:rPr lang="ru-RU" smtClean="0"/>
-              <a:t>26.01.2023</a:t>
+              <a:t>27.01.2023</a:t>
             </a:fld>
             <a:endParaRPr lang="ru-RU"/>
           </a:p>
@@ -1014,7 +1015,7 @@
           <a:p>
             <a:fld id="{CFFABAFF-F572-4F53-AA31-722C97A08DC0}" type="datetimeFigureOut">
               <a:rPr lang="ru-RU" smtClean="0"/>
-              <a:t>26.01.2023</a:t>
+              <a:t>27.01.2023</a:t>
             </a:fld>
             <a:endParaRPr lang="ru-RU"/>
           </a:p>
@@ -1246,7 +1247,7 @@
           <a:p>
             <a:fld id="{CFFABAFF-F572-4F53-AA31-722C97A08DC0}" type="datetimeFigureOut">
               <a:rPr lang="ru-RU" smtClean="0"/>
-              <a:t>26.01.2023</a:t>
+              <a:t>27.01.2023</a:t>
             </a:fld>
             <a:endParaRPr lang="ru-RU"/>
           </a:p>
@@ -1613,7 +1614,7 @@
           <a:p>
             <a:fld id="{CFFABAFF-F572-4F53-AA31-722C97A08DC0}" type="datetimeFigureOut">
               <a:rPr lang="ru-RU" smtClean="0"/>
-              <a:t>26.01.2023</a:t>
+              <a:t>27.01.2023</a:t>
             </a:fld>
             <a:endParaRPr lang="ru-RU"/>
           </a:p>
@@ -1731,7 +1732,7 @@
           <a:p>
             <a:fld id="{CFFABAFF-F572-4F53-AA31-722C97A08DC0}" type="datetimeFigureOut">
               <a:rPr lang="ru-RU" smtClean="0"/>
-              <a:t>26.01.2023</a:t>
+              <a:t>27.01.2023</a:t>
             </a:fld>
             <a:endParaRPr lang="ru-RU"/>
           </a:p>
@@ -1826,7 +1827,7 @@
           <a:p>
             <a:fld id="{CFFABAFF-F572-4F53-AA31-722C97A08DC0}" type="datetimeFigureOut">
               <a:rPr lang="ru-RU" smtClean="0"/>
-              <a:t>26.01.2023</a:t>
+              <a:t>27.01.2023</a:t>
             </a:fld>
             <a:endParaRPr lang="ru-RU"/>
           </a:p>
@@ -2103,7 +2104,7 @@
           <a:p>
             <a:fld id="{CFFABAFF-F572-4F53-AA31-722C97A08DC0}" type="datetimeFigureOut">
               <a:rPr lang="ru-RU" smtClean="0"/>
-              <a:t>26.01.2023</a:t>
+              <a:t>27.01.2023</a:t>
             </a:fld>
             <a:endParaRPr lang="ru-RU"/>
           </a:p>
@@ -2356,7 +2357,7 @@
           <a:p>
             <a:fld id="{CFFABAFF-F572-4F53-AA31-722C97A08DC0}" type="datetimeFigureOut">
               <a:rPr lang="ru-RU" smtClean="0"/>
-              <a:t>26.01.2023</a:t>
+              <a:t>27.01.2023</a:t>
             </a:fld>
             <a:endParaRPr lang="ru-RU"/>
           </a:p>
@@ -2569,7 +2570,7 @@
           <a:p>
             <a:fld id="{CFFABAFF-F572-4F53-AA31-722C97A08DC0}" type="datetimeFigureOut">
               <a:rPr lang="ru-RU" smtClean="0"/>
-              <a:t>26.01.2023</a:t>
+              <a:t>27.01.2023</a:t>
             </a:fld>
             <a:endParaRPr lang="ru-RU"/>
           </a:p>
@@ -4442,36 +4443,6 @@
       </p:sp>
       <p:sp>
         <p:nvSpPr>
-          <p:cNvPr id="9" name="TextBox 8"/>
-          <p:cNvSpPr txBox="1"/>
-          <p:nvPr/>
-        </p:nvSpPr>
-        <p:spPr>
-          <a:xfrm>
-            <a:off x="13197840" y="302512"/>
-            <a:ext cx="2362200" cy="646331"/>
-          </a:xfrm>
-          <a:prstGeom prst="rect">
-            <a:avLst/>
-          </a:prstGeom>
-          <a:noFill/>
-        </p:spPr>
-        <p:txBody>
-          <a:bodyPr wrap="square" rtlCol="0">
-            <a:spAutoFit/>
-          </a:bodyPr>
-          <a:lstStyle/>
-          <a:p>
-            <a:r>
-              <a:rPr lang="ru-RU" dirty="0" smtClean="0"/>
-              <a:t>Цвет ориентации Юры</a:t>
-            </a:r>
-            <a:endParaRPr lang="ru-RU" dirty="0"/>
-          </a:p>
-        </p:txBody>
-      </p:sp>
-      <p:sp>
-        <p:nvSpPr>
           <p:cNvPr id="17" name="TextBox 16"/>
           <p:cNvSpPr txBox="1"/>
           <p:nvPr/>
@@ -4593,6 +4564,338 @@
 </file>
 
 <file path=ppt/slides/slide6.xml><?xml version="1.0" encoding="utf-8"?>
+<p:sld xmlns:a="http://schemas.openxmlformats.org/drawingml/2006/main" xmlns:r="http://schemas.openxmlformats.org/officeDocument/2006/relationships" xmlns:p="http://schemas.openxmlformats.org/presentationml/2006/main">
+  <p:cSld>
+    <p:bg>
+      <p:bgPr>
+        <a:solidFill>
+          <a:srgbClr val="F8BBD0"/>
+        </a:solidFill>
+        <a:effectLst/>
+      </p:bgPr>
+    </p:bg>
+    <p:spTree>
+      <p:nvGrpSpPr>
+        <p:cNvPr id="1" name=""/>
+        <p:cNvGrpSpPr/>
+        <p:nvPr/>
+      </p:nvGrpSpPr>
+      <p:grpSpPr>
+        <a:xfrm>
+          <a:off x="0" y="0"/>
+          <a:ext cx="0" cy="0"/>
+          <a:chOff x="0" y="0"/>
+          <a:chExt cx="0" cy="0"/>
+        </a:xfrm>
+      </p:grpSpPr>
+      <p:pic>
+        <p:nvPicPr>
+          <p:cNvPr id="11" name="Рисунок 10"/>
+          <p:cNvPicPr>
+            <a:picLocks noChangeAspect="1"/>
+          </p:cNvPicPr>
+          <p:nvPr/>
+        </p:nvPicPr>
+        <p:blipFill rotWithShape="1">
+          <a:blip r:embed="rId2">
+            <a:extLst>
+              <a:ext uri="{28A0092B-C50C-407E-A947-70E740481C1C}">
+                <a14:useLocalDpi xmlns:a14="http://schemas.microsoft.com/office/drawing/2010/main" val="0"/>
+              </a:ext>
+            </a:extLst>
+          </a:blip>
+          <a:srcRect b="32416"/>
+          <a:stretch/>
+        </p:blipFill>
+        <p:spPr>
+          <a:xfrm>
+            <a:off x="954739" y="0"/>
+            <a:ext cx="4574143" cy="6869723"/>
+          </a:xfrm>
+          <a:prstGeom prst="rect">
+            <a:avLst/>
+          </a:prstGeom>
+        </p:spPr>
+      </p:pic>
+      <p:sp>
+        <p:nvSpPr>
+          <p:cNvPr id="14" name="TextBox 13"/>
+          <p:cNvSpPr txBox="1"/>
+          <p:nvPr/>
+        </p:nvSpPr>
+        <p:spPr>
+          <a:xfrm flipH="1">
+            <a:off x="6183135" y="4709899"/>
+            <a:ext cx="2594586" cy="584775"/>
+          </a:xfrm>
+          <a:prstGeom prst="rect">
+            <a:avLst/>
+          </a:prstGeom>
+          <a:noFill/>
+        </p:spPr>
+        <p:txBody>
+          <a:bodyPr wrap="square" rtlCol="0">
+            <a:spAutoFit/>
+          </a:bodyPr>
+          <a:lstStyle/>
+          <a:p>
+            <a:r>
+              <a:rPr lang="en-US" sz="3200" dirty="0" smtClean="0">
+                <a:latin typeface="Franklin Gothic Medium" panose="020B0603020102020204" pitchFamily="34" charset="0"/>
+              </a:rPr>
+              <a:t>#</a:t>
+            </a:r>
+            <a:r>
+              <a:rPr lang="en-US" sz="3200" dirty="0">
+                <a:latin typeface="Franklin Gothic Medium" panose="020B0603020102020204" pitchFamily="34" charset="0"/>
+              </a:rPr>
+              <a:t>7681ee</a:t>
+            </a:r>
+            <a:endParaRPr lang="ru-RU" sz="3200" dirty="0">
+              <a:latin typeface="Franklin Gothic Medium" panose="020B0603020102020204" pitchFamily="34" charset="0"/>
+            </a:endParaRPr>
+          </a:p>
+        </p:txBody>
+      </p:sp>
+      <p:sp>
+        <p:nvSpPr>
+          <p:cNvPr id="2" name="Заголовок 1"/>
+          <p:cNvSpPr>
+            <a:spLocks noGrp="1"/>
+          </p:cNvSpPr>
+          <p:nvPr>
+            <p:ph type="title"/>
+          </p:nvPr>
+        </p:nvSpPr>
+        <p:spPr>
+          <a:xfrm>
+            <a:off x="6082717" y="850265"/>
+            <a:ext cx="4285449" cy="1095506"/>
+          </a:xfrm>
+        </p:spPr>
+        <p:txBody>
+          <a:bodyPr>
+            <a:noAutofit/>
+          </a:bodyPr>
+          <a:lstStyle/>
+          <a:p>
+            <a:r>
+              <a:rPr lang="ru-RU" sz="6000" dirty="0" smtClean="0">
+                <a:latin typeface="Franklin Gothic Medium" panose="020B0603020102020204" pitchFamily="34" charset="0"/>
+              </a:rPr>
+              <a:t>Цвет Юры</a:t>
+            </a:r>
+            <a:endParaRPr lang="ru-RU" sz="6000" dirty="0">
+              <a:latin typeface="Franklin Gothic Medium" panose="020B0603020102020204" pitchFamily="34" charset="0"/>
+            </a:endParaRPr>
+          </a:p>
+        </p:txBody>
+      </p:sp>
+      <p:sp>
+        <p:nvSpPr>
+          <p:cNvPr id="3" name="Объект 2"/>
+          <p:cNvSpPr>
+            <a:spLocks noGrp="1"/>
+          </p:cNvSpPr>
+          <p:nvPr>
+            <p:ph idx="1"/>
+          </p:nvPr>
+        </p:nvSpPr>
+        <p:spPr>
+          <a:xfrm>
+            <a:off x="12273280" y="1398018"/>
+            <a:ext cx="4128134" cy="1844358"/>
+          </a:xfrm>
+        </p:spPr>
+        <p:txBody>
+          <a:bodyPr>
+            <a:normAutofit/>
+          </a:bodyPr>
+          <a:lstStyle/>
+          <a:p>
+            <a:pPr marL="0" indent="0">
+              <a:buNone/>
+            </a:pPr>
+            <a:r>
+              <a:rPr lang="ru-RU" sz="2400" dirty="0" smtClean="0"/>
+              <a:t>Синий </a:t>
+            </a:r>
+            <a:r>
+              <a:rPr lang="ru-RU" sz="2400" dirty="0"/>
+              <a:t>воспринимается как спокойный и сильный цвет. Он призван расслаблять и приносить ощущение мира и гармонии</a:t>
+            </a:r>
+            <a:r>
+              <a:rPr lang="ru-RU" sz="2400" dirty="0" smtClean="0"/>
+              <a:t>.</a:t>
+            </a:r>
+            <a:endParaRPr lang="ru-RU" sz="2400" dirty="0"/>
+          </a:p>
+        </p:txBody>
+      </p:sp>
+      <p:sp>
+        <p:nvSpPr>
+          <p:cNvPr id="6" name="Прямоугольник 5"/>
+          <p:cNvSpPr/>
+          <p:nvPr/>
+        </p:nvSpPr>
+        <p:spPr>
+          <a:xfrm>
+            <a:off x="8931561" y="2606772"/>
+            <a:ext cx="1066800" cy="975360"/>
+          </a:xfrm>
+          <a:prstGeom prst="rect">
+            <a:avLst/>
+          </a:prstGeom>
+          <a:solidFill>
+            <a:srgbClr val="7681EE"/>
+          </a:solidFill>
+          <a:ln>
+            <a:noFill/>
+          </a:ln>
+        </p:spPr>
+        <p:style>
+          <a:lnRef idx="2">
+            <a:schemeClr val="accent1">
+              <a:shade val="50000"/>
+            </a:schemeClr>
+          </a:lnRef>
+          <a:fillRef idx="1">
+            <a:schemeClr val="accent1"/>
+          </a:fillRef>
+          <a:effectRef idx="0">
+            <a:schemeClr val="accent1"/>
+          </a:effectRef>
+          <a:fontRef idx="minor">
+            <a:schemeClr val="lt1"/>
+          </a:fontRef>
+        </p:style>
+        <p:txBody>
+          <a:bodyPr rtlCol="0" anchor="ctr"/>
+          <a:lstStyle/>
+          <a:p>
+            <a:pPr algn="ctr"/>
+            <a:endParaRPr lang="ru-RU"/>
+          </a:p>
+        </p:txBody>
+      </p:sp>
+      <p:sp>
+        <p:nvSpPr>
+          <p:cNvPr id="8" name="TextBox 7"/>
+          <p:cNvSpPr txBox="1"/>
+          <p:nvPr/>
+        </p:nvSpPr>
+        <p:spPr>
+          <a:xfrm>
+            <a:off x="12273280" y="3280629"/>
+            <a:ext cx="4658996" cy="1569660"/>
+          </a:xfrm>
+          <a:prstGeom prst="rect">
+            <a:avLst/>
+          </a:prstGeom>
+          <a:noFill/>
+        </p:spPr>
+        <p:txBody>
+          <a:bodyPr wrap="square" rtlCol="0">
+            <a:spAutoFit/>
+          </a:bodyPr>
+          <a:lstStyle/>
+          <a:p>
+            <a:r>
+              <a:rPr lang="ru-RU" sz="2400" dirty="0"/>
+              <a:t>Розовый цвет вызывает чувство комфорта, успокаивает, избавляет от навязчивых мыслей. Его питает аура невинности и чистоты.</a:t>
+            </a:r>
+          </a:p>
+        </p:txBody>
+      </p:sp>
+      <p:sp>
+        <p:nvSpPr>
+          <p:cNvPr id="9" name="TextBox 8"/>
+          <p:cNvSpPr txBox="1"/>
+          <p:nvPr/>
+        </p:nvSpPr>
+        <p:spPr>
+          <a:xfrm>
+            <a:off x="6183135" y="5396916"/>
+            <a:ext cx="3326479" cy="461665"/>
+          </a:xfrm>
+          <a:prstGeom prst="rect">
+            <a:avLst/>
+          </a:prstGeom>
+          <a:noFill/>
+        </p:spPr>
+        <p:txBody>
+          <a:bodyPr wrap="square" rtlCol="0">
+            <a:spAutoFit/>
+          </a:bodyPr>
+          <a:lstStyle/>
+          <a:p>
+            <a:r>
+              <a:rPr lang="ru-RU" sz="2400" dirty="0" smtClean="0">
+                <a:latin typeface="Franklin Gothic Medium" panose="020B0603020102020204" pitchFamily="34" charset="0"/>
+              </a:rPr>
+              <a:t>Цвет ориентации Юры</a:t>
+            </a:r>
+            <a:endParaRPr lang="ru-RU" sz="2400" dirty="0">
+              <a:latin typeface="Franklin Gothic Medium" panose="020B0603020102020204" pitchFamily="34" charset="0"/>
+            </a:endParaRPr>
+          </a:p>
+        </p:txBody>
+      </p:sp>
+      <p:cxnSp>
+        <p:nvCxnSpPr>
+          <p:cNvPr id="16" name="Прямая со стрелкой 15"/>
+          <p:cNvCxnSpPr/>
+          <p:nvPr/>
+        </p:nvCxnSpPr>
+        <p:spPr>
+          <a:xfrm>
+            <a:off x="6183135" y="3094452"/>
+            <a:ext cx="2469026" cy="0"/>
+          </a:xfrm>
+          <a:prstGeom prst="straightConnector1">
+            <a:avLst/>
+          </a:prstGeom>
+          <a:ln>
+            <a:headEnd type="triangle"/>
+            <a:tailEnd type="triangle"/>
+          </a:ln>
+        </p:spPr>
+        <p:style>
+          <a:lnRef idx="1">
+            <a:schemeClr val="dk1"/>
+          </a:lnRef>
+          <a:fillRef idx="0">
+            <a:schemeClr val="dk1"/>
+          </a:fillRef>
+          <a:effectRef idx="0">
+            <a:schemeClr val="dk1"/>
+          </a:effectRef>
+          <a:fontRef idx="minor">
+            <a:schemeClr val="tx1"/>
+          </a:fontRef>
+        </p:style>
+      </p:cxnSp>
+    </p:spTree>
+    <p:extLst>
+      <p:ext uri="{BB962C8B-B14F-4D97-AF65-F5344CB8AC3E}">
+        <p14:creationId xmlns:p14="http://schemas.microsoft.com/office/powerpoint/2010/main" val="2476506345"/>
+      </p:ext>
+    </p:extLst>
+  </p:cSld>
+  <p:clrMapOvr>
+    <a:masterClrMapping/>
+  </p:clrMapOvr>
+  <p:timing>
+    <p:tnLst>
+      <p:par>
+        <p:cTn id="1" dur="indefinite" restart="never" nodeType="tmRoot"/>
+      </p:par>
+    </p:tnLst>
+  </p:timing>
+</p:sld>
+</file>
+
+<file path=ppt/slides/slide7.xml><?xml version="1.0" encoding="utf-8"?>
 <p:sld xmlns:a="http://schemas.openxmlformats.org/drawingml/2006/main" xmlns:r="http://schemas.openxmlformats.org/officeDocument/2006/relationships" xmlns:p="http://schemas.openxmlformats.org/presentationml/2006/main">
   <p:cSld>
     <p:bg>
